--- a/LABORATORIO/PECL2/RESUMEN EJECUTIVO.pptx
+++ b/LABORATORIO/PECL2/RESUMEN EJECUTIVO.pptx
@@ -110,6 +110,11 @@
       </a:defRPr>
     </a:lvl9pPr>
   </p:defaultTextStyle>
+  <p:extLst>
+    <p:ext uri="{EFAFB233-063F-42B5-8137-9DF3F51BA10A}">
+      <p15:sldGuideLst xmlns:p15="http://schemas.microsoft.com/office/powerpoint/2012/main"/>
+    </p:ext>
+  </p:extLst>
 </p:presentation>
 </file>
 
@@ -7400,23 +7405,44 @@
           </a:p>
         </p:txBody>
       </p:sp>
+      <p:sp>
+        <p:nvSpPr>
+          <p:cNvPr id="5" name="Marcador de contenido 4">
+            <a:extLst>
+              <a:ext uri="{FF2B5EF4-FFF2-40B4-BE49-F238E27FC236}">
+                <a16:creationId xmlns:a16="http://schemas.microsoft.com/office/drawing/2014/main" id="{D53E5694-10AA-4459-8354-D1B30037E502}"/>
+              </a:ext>
+            </a:extLst>
+          </p:cNvPr>
+          <p:cNvSpPr>
+            <a:spLocks noGrp="1"/>
+          </p:cNvSpPr>
+          <p:nvPr>
+            <p:ph idx="1"/>
+          </p:nvPr>
+        </p:nvSpPr>
+        <p:spPr/>
+        <p:txBody>
+          <a:bodyPr/>
+          <a:lstStyle/>
+          <a:p>
+            <a:endParaRPr lang="es-ES"/>
+          </a:p>
+        </p:txBody>
+      </p:sp>
       <p:pic>
         <p:nvPicPr>
-          <p:cNvPr id="4" name="Marcador de contenido 3">
-            <a:extLst>
-              <a:ext uri="{FF2B5EF4-FFF2-40B4-BE49-F238E27FC236}">
-                <a16:creationId xmlns:a16="http://schemas.microsoft.com/office/drawing/2014/main" id="{8D9F0A29-10A7-41E4-BA44-4C46EC9DC71E}"/>
-              </a:ext>
-            </a:extLst>
-          </p:cNvPr>
-          <p:cNvPicPr>
-            <a:picLocks noGrp="1"/>
-          </p:cNvPicPr>
-          <p:nvPr>
-            <p:ph idx="1"/>
-          </p:nvPr>
+          <p:cNvPr id="8" name="Imagen 7">
+            <a:extLst>
+              <a:ext uri="{FF2B5EF4-FFF2-40B4-BE49-F238E27FC236}">
+                <a16:creationId xmlns:a16="http://schemas.microsoft.com/office/drawing/2014/main" id="{7D3B1B4B-E971-4106-A20D-CD78CC7716EB}"/>
+              </a:ext>
+            </a:extLst>
+          </p:cNvPr>
+          <p:cNvPicPr/>
+          <p:nvPr/>
         </p:nvPicPr>
-        <p:blipFill rotWithShape="1">
+        <p:blipFill>
           <a:blip r:embed="rId2">
             <a:extLst>
               <a:ext uri="{28A0092B-C50C-407E-A947-70E740481C1C}">
@@ -7424,18 +7450,18 @@
               </a:ext>
             </a:extLst>
           </a:blip>
-          <a:srcRect t="13252" r="1" b="12492"/>
-          <a:stretch/>
+          <a:stretch>
+            <a:fillRect/>
+          </a:stretch>
         </p:blipFill>
         <p:spPr>
           <a:xfrm>
-            <a:off x="1158240" y="2149222"/>
-            <a:ext cx="9875520" cy="3721608"/>
+            <a:off x="838200" y="1811336"/>
+            <a:ext cx="10515600" cy="4351337"/>
           </a:xfrm>
           <a:prstGeom prst="rect">
             <a:avLst/>
           </a:prstGeom>
-          <a:effectLst/>
         </p:spPr>
       </p:pic>
     </p:spTree>
